--- a/Seminário - Árvore B/Seminário - Árvore B.pptx
+++ b/Seminário - Árvore B/Seminário - Árvore B.pptx
@@ -33,30 +33,32 @@
     <p:sldId id="278" r:id="rId27"/>
     <p:sldId id="279" r:id="rId28"/>
     <p:sldId id="280" r:id="rId29"/>
+    <p:sldId id="281" r:id="rId30"/>
+    <p:sldId id="282" r:id="rId31"/>
   </p:sldIdLst>
   <p:sldSz cy="9753600" cx="13004800"/>
   <p:notesSz cx="6858000" cy="9144000"/>
   <p:embeddedFontLst>
     <p:embeddedFont>
       <p:font typeface="Arial Narrow"/>
-      <p:regular r:id="rId30"/>
-      <p:bold r:id="rId31"/>
-      <p:italic r:id="rId32"/>
-      <p:boldItalic r:id="rId33"/>
+      <p:regular r:id="rId32"/>
+      <p:bold r:id="rId33"/>
+      <p:italic r:id="rId34"/>
+      <p:boldItalic r:id="rId35"/>
     </p:embeddedFont>
     <p:embeddedFont>
       <p:font typeface="Helvetica Neue"/>
-      <p:regular r:id="rId34"/>
-      <p:bold r:id="rId35"/>
-      <p:italic r:id="rId36"/>
-      <p:boldItalic r:id="rId37"/>
+      <p:regular r:id="rId36"/>
+      <p:bold r:id="rId37"/>
+      <p:italic r:id="rId38"/>
+      <p:boldItalic r:id="rId39"/>
     </p:embeddedFont>
     <p:embeddedFont>
       <p:font typeface="Helvetica Neue Light"/>
-      <p:regular r:id="rId38"/>
-      <p:bold r:id="rId39"/>
-      <p:italic r:id="rId40"/>
-      <p:boldItalic r:id="rId41"/>
+      <p:regular r:id="rId40"/>
+      <p:bold r:id="rId41"/>
+      <p:italic r:id="rId42"/>
+      <p:boldItalic r:id="rId43"/>
     </p:embeddedFont>
   </p:embeddedFontLst>
   <p:defaultTextStyle>
@@ -2485,46 +2487,7 @@
       </p:grpSpPr>
       <p:sp>
         <p:nvSpPr>
-          <p:cNvPr id="205" name="Google Shape;205;p7:notes"/>
-          <p:cNvSpPr txBox="1"/>
-          <p:nvPr>
-            <p:ph idx="1" type="body"/>
-          </p:nvPr>
-        </p:nvSpPr>
-        <p:spPr>
-          <a:xfrm>
-            <a:off x="914400" y="4343400"/>
-            <a:ext cx="5029200" cy="4114800"/>
-          </a:xfrm>
-          <a:prstGeom prst="rect">
-            <a:avLst/>
-          </a:prstGeom>
-        </p:spPr>
-        <p:txBody>
-          <a:bodyPr anchorCtr="0" anchor="t" bIns="45700" lIns="91425" spcFirstLastPara="1" rIns="91425" wrap="square" tIns="45700">
-            <a:noAutofit/>
-          </a:bodyPr>
-          <a:lstStyle/>
-          <a:p>
-            <a:pPr indent="0" lvl="0" marL="0" rtl="0" algn="l">
-              <a:spcBef>
-                <a:spcPts val="0"/>
-              </a:spcBef>
-              <a:spcAft>
-                <a:spcPts val="0"/>
-              </a:spcAft>
-              <a:buNone/>
-            </a:pPr>
-            <a:r>
-              <a:t/>
-            </a:r>
-            <a:endParaRPr/>
-          </a:p>
-        </p:txBody>
-      </p:sp>
-      <p:sp>
-        <p:nvSpPr>
-          <p:cNvPr id="206" name="Google Shape;206;p7:notes"/>
+          <p:cNvPr id="205" name="Google Shape;205;g19e3b3e3213_0_0:notes"/>
           <p:cNvSpPr/>
           <p:nvPr>
             <p:ph idx="2" type="sldImg"/>
@@ -2556,6 +2519,243 @@
             </a:pathLst>
           </a:custGeom>
         </p:spPr>
+      </p:sp>
+      <p:sp>
+        <p:nvSpPr>
+          <p:cNvPr id="206" name="Google Shape;206;g19e3b3e3213_0_0:notes"/>
+          <p:cNvSpPr txBox="1"/>
+          <p:nvPr>
+            <p:ph idx="1" type="body"/>
+          </p:nvPr>
+        </p:nvSpPr>
+        <p:spPr>
+          <a:xfrm>
+            <a:off x="914400" y="4343400"/>
+            <a:ext cx="5029200" cy="4114800"/>
+          </a:xfrm>
+          <a:prstGeom prst="rect">
+            <a:avLst/>
+          </a:prstGeom>
+        </p:spPr>
+        <p:txBody>
+          <a:bodyPr anchorCtr="0" anchor="t" bIns="45700" lIns="91425" spcFirstLastPara="1" rIns="91425" wrap="square" tIns="45700">
+            <a:noAutofit/>
+          </a:bodyPr>
+          <a:lstStyle/>
+          <a:p>
+            <a:pPr indent="0" lvl="0" marL="0" rtl="0" algn="l">
+              <a:spcBef>
+                <a:spcPts val="0"/>
+              </a:spcBef>
+              <a:spcAft>
+                <a:spcPts val="0"/>
+              </a:spcAft>
+              <a:buNone/>
+            </a:pPr>
+            <a:r>
+              <a:t/>
+            </a:r>
+            <a:endParaRPr/>
+          </a:p>
+        </p:txBody>
+      </p:sp>
+    </p:spTree>
+  </p:cSld>
+  <p:clrMapOvr>
+    <a:masterClrMapping/>
+  </p:clrMapOvr>
+</p:notes>
+</file>
+
+<file path=ppt/notesSlides/notesSlide26.xml><?xml version="1.0" encoding="utf-8"?>
+<p:notes xmlns:a="http://schemas.openxmlformats.org/drawingml/2006/main" xmlns:r="http://schemas.openxmlformats.org/officeDocument/2006/relationships" xmlns:mc="http://schemas.openxmlformats.org/markup-compatibility/2006" xmlns:mv="urn:schemas-microsoft-com:mac:vml" xmlns:p="http://schemas.openxmlformats.org/presentationml/2006/main" xmlns:c="http://schemas.openxmlformats.org/drawingml/2006/chart" xmlns:dgm="http://schemas.openxmlformats.org/drawingml/2006/diagram" xmlns:o="urn:schemas-microsoft-com:office:office" xmlns:v="urn:schemas-microsoft-com:vml" xmlns:pvml="urn:schemas-microsoft-com:office:powerpoint" xmlns:com="http://schemas.openxmlformats.org/drawingml/2006/compatibility" xmlns:p14="http://schemas.microsoft.com/office/powerpoint/2010/main" xmlns:p15="http://schemas.microsoft.com/office/powerpoint/2012/main" xmlns:ahyp="http://schemas.microsoft.com/office/drawing/2018/hyperlinkcolor" showMasterPhAnim="0" showMasterSp="0">
+  <p:cSld>
+    <p:spTree>
+      <p:nvGrpSpPr>
+        <p:cNvPr id="209" name="Shape 209"/>
+        <p:cNvGrpSpPr/>
+        <p:nvPr/>
+      </p:nvGrpSpPr>
+      <p:grpSpPr>
+        <a:xfrm>
+          <a:off x="0" y="0"/>
+          <a:ext cx="0" cy="0"/>
+          <a:chOff x="0" y="0"/>
+          <a:chExt cx="0" cy="0"/>
+        </a:xfrm>
+      </p:grpSpPr>
+      <p:sp>
+        <p:nvSpPr>
+          <p:cNvPr id="210" name="Google Shape;210;p7:notes"/>
+          <p:cNvSpPr txBox="1"/>
+          <p:nvPr>
+            <p:ph idx="1" type="body"/>
+          </p:nvPr>
+        </p:nvSpPr>
+        <p:spPr>
+          <a:xfrm>
+            <a:off x="914400" y="4343400"/>
+            <a:ext cx="5029200" cy="4114800"/>
+          </a:xfrm>
+          <a:prstGeom prst="rect">
+            <a:avLst/>
+          </a:prstGeom>
+        </p:spPr>
+        <p:txBody>
+          <a:bodyPr anchorCtr="0" anchor="t" bIns="45700" lIns="91425" spcFirstLastPara="1" rIns="91425" wrap="square" tIns="45700">
+            <a:noAutofit/>
+          </a:bodyPr>
+          <a:lstStyle/>
+          <a:p>
+            <a:pPr indent="0" lvl="0" marL="0" rtl="0" algn="l">
+              <a:spcBef>
+                <a:spcPts val="0"/>
+              </a:spcBef>
+              <a:spcAft>
+                <a:spcPts val="0"/>
+              </a:spcAft>
+              <a:buNone/>
+            </a:pPr>
+            <a:r>
+              <a:t/>
+            </a:r>
+            <a:endParaRPr/>
+          </a:p>
+        </p:txBody>
+      </p:sp>
+      <p:sp>
+        <p:nvSpPr>
+          <p:cNvPr id="211" name="Google Shape;211;p7:notes"/>
+          <p:cNvSpPr/>
+          <p:nvPr>
+            <p:ph idx="2" type="sldImg"/>
+          </p:nvPr>
+        </p:nvSpPr>
+        <p:spPr>
+          <a:xfrm>
+            <a:off x="1143000" y="685800"/>
+            <a:ext cx="4572000" cy="3429000"/>
+          </a:xfrm>
+          <a:custGeom>
+            <a:rect b="b" l="l" r="r" t="t"/>
+            <a:pathLst>
+              <a:path extrusionOk="0" h="120000" w="120000">
+                <a:moveTo>
+                  <a:pt x="0" y="0"/>
+                </a:moveTo>
+                <a:lnTo>
+                  <a:pt x="120000" y="0"/>
+                </a:lnTo>
+                <a:lnTo>
+                  <a:pt x="120000" y="120000"/>
+                </a:lnTo>
+                <a:lnTo>
+                  <a:pt x="0" y="120000"/>
+                </a:lnTo>
+                <a:close/>
+              </a:path>
+            </a:pathLst>
+          </a:custGeom>
+        </p:spPr>
+      </p:sp>
+    </p:spTree>
+  </p:cSld>
+  <p:clrMapOvr>
+    <a:masterClrMapping/>
+  </p:clrMapOvr>
+</p:notes>
+</file>
+
+<file path=ppt/notesSlides/notesSlide27.xml><?xml version="1.0" encoding="utf-8"?>
+<p:notes xmlns:a="http://schemas.openxmlformats.org/drawingml/2006/main" xmlns:r="http://schemas.openxmlformats.org/officeDocument/2006/relationships" xmlns:mc="http://schemas.openxmlformats.org/markup-compatibility/2006" xmlns:mv="urn:schemas-microsoft-com:mac:vml" xmlns:p="http://schemas.openxmlformats.org/presentationml/2006/main" xmlns:c="http://schemas.openxmlformats.org/drawingml/2006/chart" xmlns:dgm="http://schemas.openxmlformats.org/drawingml/2006/diagram" xmlns:o="urn:schemas-microsoft-com:office:office" xmlns:v="urn:schemas-microsoft-com:vml" xmlns:pvml="urn:schemas-microsoft-com:office:powerpoint" xmlns:com="http://schemas.openxmlformats.org/drawingml/2006/compatibility" xmlns:p14="http://schemas.microsoft.com/office/powerpoint/2010/main" xmlns:p15="http://schemas.microsoft.com/office/powerpoint/2012/main" xmlns:ahyp="http://schemas.microsoft.com/office/drawing/2018/hyperlinkcolor" showMasterPhAnim="0" showMasterSp="0">
+  <p:cSld>
+    <p:spTree>
+      <p:nvGrpSpPr>
+        <p:cNvPr id="215" name="Shape 215"/>
+        <p:cNvGrpSpPr/>
+        <p:nvPr/>
+      </p:nvGrpSpPr>
+      <p:grpSpPr>
+        <a:xfrm>
+          <a:off x="0" y="0"/>
+          <a:ext cx="0" cy="0"/>
+          <a:chOff x="0" y="0"/>
+          <a:chExt cx="0" cy="0"/>
+        </a:xfrm>
+      </p:grpSpPr>
+      <p:sp>
+        <p:nvSpPr>
+          <p:cNvPr id="216" name="Google Shape;216;g194727eb9f5_0_0:notes"/>
+          <p:cNvSpPr/>
+          <p:nvPr>
+            <p:ph idx="2" type="sldImg"/>
+          </p:nvPr>
+        </p:nvSpPr>
+        <p:spPr>
+          <a:xfrm>
+            <a:off x="1143000" y="685800"/>
+            <a:ext cx="4572000" cy="3429000"/>
+          </a:xfrm>
+          <a:custGeom>
+            <a:rect b="b" l="l" r="r" t="t"/>
+            <a:pathLst>
+              <a:path extrusionOk="0" h="120000" w="120000">
+                <a:moveTo>
+                  <a:pt x="0" y="0"/>
+                </a:moveTo>
+                <a:lnTo>
+                  <a:pt x="120000" y="0"/>
+                </a:lnTo>
+                <a:lnTo>
+                  <a:pt x="120000" y="120000"/>
+                </a:lnTo>
+                <a:lnTo>
+                  <a:pt x="0" y="120000"/>
+                </a:lnTo>
+                <a:close/>
+              </a:path>
+            </a:pathLst>
+          </a:custGeom>
+        </p:spPr>
+      </p:sp>
+      <p:sp>
+        <p:nvSpPr>
+          <p:cNvPr id="217" name="Google Shape;217;g194727eb9f5_0_0:notes"/>
+          <p:cNvSpPr txBox="1"/>
+          <p:nvPr>
+            <p:ph idx="1" type="body"/>
+          </p:nvPr>
+        </p:nvSpPr>
+        <p:spPr>
+          <a:xfrm>
+            <a:off x="914400" y="4343400"/>
+            <a:ext cx="5029200" cy="4114800"/>
+          </a:xfrm>
+          <a:prstGeom prst="rect">
+            <a:avLst/>
+          </a:prstGeom>
+        </p:spPr>
+        <p:txBody>
+          <a:bodyPr anchorCtr="0" anchor="t" bIns="45700" lIns="91425" spcFirstLastPara="1" rIns="91425" wrap="square" tIns="45700">
+            <a:noAutofit/>
+          </a:bodyPr>
+          <a:lstStyle/>
+          <a:p>
+            <a:pPr indent="0" lvl="0" marL="0" rtl="0" algn="l">
+              <a:spcBef>
+                <a:spcPts val="0"/>
+              </a:spcBef>
+              <a:spcAft>
+                <a:spcPts val="0"/>
+              </a:spcAft>
+              <a:buNone/>
+            </a:pPr>
+            <a:r>
+              <a:t/>
+            </a:r>
+            <a:endParaRPr/>
+          </a:p>
+        </p:txBody>
       </p:sp>
     </p:spTree>
   </p:cSld>
@@ -9813,9 +10013,62 @@
           <a:chExt cx="0" cy="0"/>
         </a:xfrm>
       </p:grpSpPr>
+      <p:pic>
+        <p:nvPicPr>
+          <p:cNvPr id="208" name="Google Shape;208;p31"/>
+          <p:cNvPicPr preferRelativeResize="0"/>
+          <p:nvPr/>
+        </p:nvPicPr>
+        <p:blipFill>
+          <a:blip r:embed="rId3">
+            <a:alphaModFix/>
+          </a:blip>
+          <a:stretch>
+            <a:fillRect/>
+          </a:stretch>
+        </p:blipFill>
+        <p:spPr>
+          <a:xfrm>
+            <a:off x="205850" y="673500"/>
+            <a:ext cx="11524050" cy="7672750"/>
+          </a:xfrm>
+          <a:prstGeom prst="rect">
+            <a:avLst/>
+          </a:prstGeom>
+          <a:noFill/>
+          <a:ln>
+            <a:noFill/>
+          </a:ln>
+        </p:spPr>
+      </p:pic>
+    </p:spTree>
+  </p:cSld>
+  <p:clrMapOvr>
+    <a:masterClrMapping/>
+  </p:clrMapOvr>
+</p:sld>
+</file>
+
+<file path=ppt/slides/slide26.xml><?xml version="1.0" encoding="utf-8"?>
+<p:sld xmlns:a="http://schemas.openxmlformats.org/drawingml/2006/main" xmlns:r="http://schemas.openxmlformats.org/officeDocument/2006/relationships" xmlns:mc="http://schemas.openxmlformats.org/markup-compatibility/2006" xmlns:mv="urn:schemas-microsoft-com:mac:vml" xmlns:p="http://schemas.openxmlformats.org/presentationml/2006/main" xmlns:c="http://schemas.openxmlformats.org/drawingml/2006/chart" xmlns:dgm="http://schemas.openxmlformats.org/drawingml/2006/diagram" xmlns:o="urn:schemas-microsoft-com:office:office" xmlns:v="urn:schemas-microsoft-com:vml" xmlns:pvml="urn:schemas-microsoft-com:office:powerpoint" xmlns:com="http://schemas.openxmlformats.org/drawingml/2006/compatibility" xmlns:p14="http://schemas.microsoft.com/office/powerpoint/2010/main" xmlns:p15="http://schemas.microsoft.com/office/powerpoint/2012/main" xmlns:ahyp="http://schemas.microsoft.com/office/drawing/2018/hyperlinkcolor">
+  <p:cSld>
+    <p:spTree>
+      <p:nvGrpSpPr>
+        <p:cNvPr id="212" name="Shape 212"/>
+        <p:cNvGrpSpPr/>
+        <p:nvPr/>
+      </p:nvGrpSpPr>
+      <p:grpSpPr>
+        <a:xfrm>
+          <a:off x="0" y="0"/>
+          <a:ext cx="0" cy="0"/>
+          <a:chOff x="0" y="0"/>
+          <a:chExt cx="0" cy="0"/>
+        </a:xfrm>
+      </p:grpSpPr>
       <p:sp>
         <p:nvSpPr>
-          <p:cNvPr id="208" name="Google Shape;208;p31"/>
+          <p:cNvPr id="213" name="Google Shape;213;p32"/>
           <p:cNvSpPr txBox="1"/>
           <p:nvPr>
             <p:ph type="title"/>
@@ -9875,7 +10128,7 @@
       </p:sp>
       <p:sp>
         <p:nvSpPr>
-          <p:cNvPr id="209" name="Google Shape;209;p31"/>
+          <p:cNvPr id="214" name="Google Shape;214;p32"/>
           <p:cNvSpPr txBox="1"/>
           <p:nvPr>
             <p:ph idx="1" type="body"/>
@@ -10003,6 +10256,59 @@
   <p:transition spd="med">
     <p:fade thruBlk="1"/>
   </p:transition>
+</p:sld>
+</file>
+
+<file path=ppt/slides/slide27.xml><?xml version="1.0" encoding="utf-8"?>
+<p:sld xmlns:a="http://schemas.openxmlformats.org/drawingml/2006/main" xmlns:r="http://schemas.openxmlformats.org/officeDocument/2006/relationships" xmlns:mc="http://schemas.openxmlformats.org/markup-compatibility/2006" xmlns:mv="urn:schemas-microsoft-com:mac:vml" xmlns:p="http://schemas.openxmlformats.org/presentationml/2006/main" xmlns:c="http://schemas.openxmlformats.org/drawingml/2006/chart" xmlns:dgm="http://schemas.openxmlformats.org/drawingml/2006/diagram" xmlns:o="urn:schemas-microsoft-com:office:office" xmlns:v="urn:schemas-microsoft-com:vml" xmlns:pvml="urn:schemas-microsoft-com:office:powerpoint" xmlns:com="http://schemas.openxmlformats.org/drawingml/2006/compatibility" xmlns:p14="http://schemas.microsoft.com/office/powerpoint/2010/main" xmlns:p15="http://schemas.microsoft.com/office/powerpoint/2012/main" xmlns:ahyp="http://schemas.microsoft.com/office/drawing/2018/hyperlinkcolor">
+  <p:cSld>
+    <p:spTree>
+      <p:nvGrpSpPr>
+        <p:cNvPr id="218" name="Shape 218"/>
+        <p:cNvGrpSpPr/>
+        <p:nvPr/>
+      </p:nvGrpSpPr>
+      <p:grpSpPr>
+        <a:xfrm>
+          <a:off x="0" y="0"/>
+          <a:ext cx="0" cy="0"/>
+          <a:chOff x="0" y="0"/>
+          <a:chExt cx="0" cy="0"/>
+        </a:xfrm>
+      </p:grpSpPr>
+      <p:pic>
+        <p:nvPicPr>
+          <p:cNvPr id="219" name="Google Shape;219;p33"/>
+          <p:cNvPicPr preferRelativeResize="0"/>
+          <p:nvPr/>
+        </p:nvPicPr>
+        <p:blipFill>
+          <a:blip r:embed="rId3">
+            <a:alphaModFix/>
+          </a:blip>
+          <a:stretch>
+            <a:fillRect/>
+          </a:stretch>
+        </p:blipFill>
+        <p:spPr>
+          <a:xfrm>
+            <a:off x="1625600" y="842950"/>
+            <a:ext cx="9753600" cy="8067675"/>
+          </a:xfrm>
+          <a:prstGeom prst="rect">
+            <a:avLst/>
+          </a:prstGeom>
+          <a:noFill/>
+          <a:ln>
+            <a:noFill/>
+          </a:ln>
+        </p:spPr>
+      </p:pic>
+    </p:spTree>
+  </p:cSld>
+  <p:clrMapOvr>
+    <a:masterClrMapping/>
+  </p:clrMapOvr>
 </p:sld>
 </file>
 
